--- a/Market_Report_14_Feb_2026.pptx
+++ b/Market_Report_14_Feb_2026.pptx
@@ -3652,7 +3652,7 @@
               <a:defRPr sz="1000"/>
             </a:pPr>
             <a:r>
-              <a:t>Link: https://news.google.com/rss/articles/CBMi0wFBVV95cUxNQW56d2Nic0Rua1pzbHpaQWVTNWR2MXdaYUFXcGRpWjlqZ09aa2ZtdmpHLTN5OXk0dDRtdWdaZGRXNm5qU3JOaGFSbVZDYmxQc1E2anc1a0prWHBMUDdXbkdkZ0wxUkRaRkszR1JGRm95YWI2aVc1SHFPeC1RZS0wXzNSVFF4S0NWZi1PbEdVcHRkOVluVHNEQW1oaFBUS05mNU85QjFLWHV5bDRIT1lCaXlxY2FSbG5PVzV6SmlQYjZVcWY3M2hNUjVKaG1WV19wOXRF?oc=5</a:t>
+              <a:t>Link: https://news.google.com/rss/articles/CBMi0gFBVV95cUxQMXJxXzQ1Mm8wT0d0akt5R085ekZIZWRTRXk3SHVmWEVUWGtwb3Y2aGJobTdGeVEySVpWa1FnT0VPV0ZUSzJDRG9OQVlFMjZMOG9UZjJiS0w0OVJfUkdkU1NIbG11QnJTZUVGUnlTN1FYZE1fNFRTYWdTOUYwZWM5RER1Y2VMamN4LW53WjFDNHBOODlFOVBNazdPcmxlWUR5Vy1ETXdKbkNXYW81VHVZVlJQYWxUZVVPNl82Q2VPSmIxMnQ5UVBCRm9MUzFnLU45T2c?oc=5</a:t>
             </a:r>
           </a:p>
           <a:p>
